--- a/bericht/Projektstatusbeircht2.pptx
+++ b/bericht/Projektstatusbeircht2.pptx
@@ -10,6 +10,7 @@
     <p:sldId id="257" r:id="rId4"/>
     <p:sldId id="259" r:id="rId5"/>
     <p:sldId id="260" r:id="rId6"/>
+    <p:sldId id="261" r:id="rId7"/>
   </p:sldIdLst>
   <p:sldSz cx="12192000" cy="6858000"/>
   <p:notesSz cx="6858000" cy="9144000"/>
@@ -4772,13 +4773,21 @@
           <a:p>
             <a:r>
               <a:rPr lang="de-CH" dirty="0"/>
-              <a:t>Auf Security wird verzichtet</a:t>
-            </a:r>
-          </a:p>
-          <a:p>
+              <a:t>Identity und Benutzer werden nicht verwaltet</a:t>
+            </a:r>
+          </a:p>
+          <a:p>
+            <a:pPr lvl="1"/>
             <a:r>
               <a:rPr lang="de-CH" dirty="0"/>
-              <a:t>Identity und Benutzer werden nicht verwaltet</a:t>
+              <a:t>Ein statischer Benutzer ist für den PoC vorhanden</a:t>
+            </a:r>
+          </a:p>
+          <a:p>
+            <a:pPr lvl="1"/>
+            <a:r>
+              <a:rPr lang="de-CH" dirty="0"/>
+              <a:t>Der Benutzer muss Authentifiziert werden.</a:t>
             </a:r>
           </a:p>
           <a:p>
@@ -5544,6 +5553,145 @@
     <p:extLst>
       <p:ext uri="{BB962C8B-B14F-4D97-AF65-F5344CB8AC3E}">
         <p14:creationId xmlns:p14="http://schemas.microsoft.com/office/powerpoint/2010/main" val="2769292086"/>
+      </p:ext>
+    </p:extLst>
+  </p:cSld>
+  <p:clrMapOvr>
+    <a:masterClrMapping/>
+  </p:clrMapOvr>
+</p:sld>
+</file>
+
+<file path=ppt/slides/slide6.xml><?xml version="1.0" encoding="utf-8"?>
+<p:sld xmlns:a="http://schemas.openxmlformats.org/drawingml/2006/main" xmlns:r="http://schemas.openxmlformats.org/officeDocument/2006/relationships" xmlns:p="http://schemas.openxmlformats.org/presentationml/2006/main">
+  <p:cSld>
+    <p:spTree>
+      <p:nvGrpSpPr>
+        <p:cNvPr id="1" name=""/>
+        <p:cNvGrpSpPr/>
+        <p:nvPr/>
+      </p:nvGrpSpPr>
+      <p:grpSpPr>
+        <a:xfrm>
+          <a:off x="0" y="0"/>
+          <a:ext cx="0" cy="0"/>
+          <a:chOff x="0" y="0"/>
+          <a:chExt cx="0" cy="0"/>
+        </a:xfrm>
+      </p:grpSpPr>
+      <p:sp>
+        <p:nvSpPr>
+          <p:cNvPr id="2" name="Title 1">
+            <a:extLst>
+              <a:ext uri="{FF2B5EF4-FFF2-40B4-BE49-F238E27FC236}">
+                <a16:creationId xmlns:a16="http://schemas.microsoft.com/office/drawing/2014/main" id="{03D3D273-D884-94E4-94D1-2E01B479435A}"/>
+              </a:ext>
+            </a:extLst>
+          </p:cNvPr>
+          <p:cNvSpPr>
+            <a:spLocks noGrp="1"/>
+          </p:cNvSpPr>
+          <p:nvPr>
+            <p:ph type="title"/>
+          </p:nvPr>
+        </p:nvSpPr>
+        <p:spPr/>
+        <p:txBody>
+          <a:bodyPr/>
+          <a:lstStyle/>
+          <a:p>
+            <a:r>
+              <a:rPr lang="de-CH" dirty="0"/>
+              <a:t>Entscheid</a:t>
+            </a:r>
+          </a:p>
+        </p:txBody>
+      </p:sp>
+      <p:sp>
+        <p:nvSpPr>
+          <p:cNvPr id="3" name="Content Placeholder 2">
+            <a:extLst>
+              <a:ext uri="{FF2B5EF4-FFF2-40B4-BE49-F238E27FC236}">
+                <a16:creationId xmlns:a16="http://schemas.microsoft.com/office/drawing/2014/main" id="{9E53D665-F3F9-BAAF-52B4-74DE14A06D93}"/>
+              </a:ext>
+            </a:extLst>
+          </p:cNvPr>
+          <p:cNvSpPr>
+            <a:spLocks noGrp="1"/>
+          </p:cNvSpPr>
+          <p:nvPr>
+            <p:ph idx="1"/>
+          </p:nvPr>
+        </p:nvSpPr>
+        <p:spPr/>
+        <p:txBody>
+          <a:bodyPr>
+            <a:normAutofit fontScale="92500" lnSpcReduction="10000"/>
+          </a:bodyPr>
+          <a:lstStyle/>
+          <a:p>
+            <a:r>
+              <a:rPr lang="de-CH" dirty="0"/>
+              <a:t>Vorgeschlagene Massnahmen wurden angepasst und können so weiterverfolgt werden</a:t>
+            </a:r>
+          </a:p>
+          <a:p>
+            <a:r>
+              <a:rPr lang="de-CH" dirty="0"/>
+              <a:t>Umsetzung der Baustellen App wird als PoC weitergeführt</a:t>
+            </a:r>
+          </a:p>
+          <a:p>
+            <a:r>
+              <a:rPr lang="de-CH" dirty="0"/>
+              <a:t>Die Applikation muss eine Benutzer Authentifizierung fordern und durchführen</a:t>
+            </a:r>
+          </a:p>
+          <a:p>
+            <a:r>
+              <a:rPr lang="de-CH" dirty="0"/>
+              <a:t>Datensynchronisation und offline Funktionalität muss demonstrierbar sein</a:t>
+            </a:r>
+          </a:p>
+          <a:p>
+            <a:r>
+              <a:rPr lang="de-CH" dirty="0"/>
+              <a:t>Änderungen am Umsetzungsumfang werden im Bericht dokumentiert</a:t>
+            </a:r>
+          </a:p>
+          <a:p>
+            <a:pPr lvl="1"/>
+            <a:r>
+              <a:rPr lang="de-CH" dirty="0"/>
+              <a:t>Ursprüngliche Zielsetzung muss sichtbar sein</a:t>
+            </a:r>
+          </a:p>
+          <a:p>
+            <a:r>
+              <a:rPr lang="de-CH" dirty="0"/>
+              <a:t>3. Review wird durchgeführt</a:t>
+            </a:r>
+          </a:p>
+          <a:p>
+            <a:pPr lvl="1"/>
+            <a:r>
+              <a:rPr lang="de-CH"/>
+              <a:t>Termin am 17.02.2024 16:00 bis 17:00 Uhr</a:t>
+            </a:r>
+            <a:endParaRPr lang="de-CH" dirty="0"/>
+          </a:p>
+          <a:p>
+            <a:pPr marL="0" indent="0">
+              <a:buNone/>
+            </a:pPr>
+            <a:endParaRPr lang="de-CH" dirty="0"/>
+          </a:p>
+        </p:txBody>
+      </p:sp>
+    </p:spTree>
+    <p:extLst>
+      <p:ext uri="{BB962C8B-B14F-4D97-AF65-F5344CB8AC3E}">
+        <p14:creationId xmlns:p14="http://schemas.microsoft.com/office/powerpoint/2010/main" val="3450619867"/>
       </p:ext>
     </p:extLst>
   </p:cSld>
